--- a/Curso-knockout.pptx
+++ b/Curso-knockout.pptx
@@ -8,7 +8,16 @@
     <p:sldId id="256" r:id="rId2"/>
     <p:sldId id="257" r:id="rId3"/>
     <p:sldId id="259" r:id="rId4"/>
-    <p:sldId id="261" r:id="rId5"/>
+    <p:sldId id="262" r:id="rId5"/>
+    <p:sldId id="263" r:id="rId6"/>
+    <p:sldId id="264" r:id="rId7"/>
+    <p:sldId id="265" r:id="rId8"/>
+    <p:sldId id="266" r:id="rId9"/>
+    <p:sldId id="267" r:id="rId10"/>
+    <p:sldId id="269" r:id="rId11"/>
+    <p:sldId id="268" r:id="rId12"/>
+    <p:sldId id="270" r:id="rId13"/>
+    <p:sldId id="261" r:id="rId14"/>
   </p:sldIdLst>
   <p:sldSz cx="12192000" cy="6858000"/>
   <p:notesSz cx="6858000" cy="9144000"/>
@@ -115,6 +124,10 @@
 </p:presentation>
 </file>
 
+<file path=ppt/revisionInfo.xml><?xml version="1.0" encoding="utf-8"?>
+<p1510:revInfo xmlns:a="http://schemas.openxmlformats.org/drawingml/2006/main" xmlns:r="http://schemas.openxmlformats.org/officeDocument/2006/relationships" xmlns:p1510="http://schemas.microsoft.com/office/powerpoint/2015/10/main"/>
+</file>
+
 <file path=ppt/slideLayouts/slideLayout1.xml><?xml version="1.0" encoding="utf-8"?>
 <p:sldLayout xmlns:a="http://schemas.openxmlformats.org/drawingml/2006/main" xmlns:r="http://schemas.openxmlformats.org/officeDocument/2006/relationships" xmlns:p="http://schemas.openxmlformats.org/presentationml/2006/main" showMasterSp="0" type="title" preserve="1">
   <p:cSld name="Slide de Título">
@@ -518,7 +531,7 @@
           <a:p>
             <a:fld id="{F0E51C7C-CEA3-4CAA-BE4B-344879E7C377}" type="datetimeFigureOut">
               <a:rPr lang="de-DE" smtClean="0"/>
-              <a:t>30.10.2017</a:t>
+              <a:t>03.11.2017</a:t>
             </a:fld>
             <a:endParaRPr lang="de-DE"/>
           </a:p>
@@ -697,7 +710,7 @@
           <a:p>
             <a:fld id="{F0E51C7C-CEA3-4CAA-BE4B-344879E7C377}" type="datetimeFigureOut">
               <a:rPr lang="de-DE" smtClean="0"/>
-              <a:t>30.10.2017</a:t>
+              <a:t>03.11.2017</a:t>
             </a:fld>
             <a:endParaRPr lang="de-DE"/>
           </a:p>
@@ -877,7 +890,7 @@
           <a:p>
             <a:fld id="{F0E51C7C-CEA3-4CAA-BE4B-344879E7C377}" type="datetimeFigureOut">
               <a:rPr lang="de-DE" smtClean="0"/>
-              <a:t>30.10.2017</a:t>
+              <a:t>03.11.2017</a:t>
             </a:fld>
             <a:endParaRPr lang="de-DE"/>
           </a:p>
@@ -1047,7 +1060,7 @@
           <a:p>
             <a:fld id="{F0E51C7C-CEA3-4CAA-BE4B-344879E7C377}" type="datetimeFigureOut">
               <a:rPr lang="de-DE" smtClean="0"/>
-              <a:t>30.10.2017</a:t>
+              <a:t>03.11.2017</a:t>
             </a:fld>
             <a:endParaRPr lang="de-DE"/>
           </a:p>
@@ -1360,7 +1373,7 @@
           <a:p>
             <a:fld id="{F0E51C7C-CEA3-4CAA-BE4B-344879E7C377}" type="datetimeFigureOut">
               <a:rPr lang="de-DE" smtClean="0"/>
-              <a:t>30.10.2017</a:t>
+              <a:t>03.11.2017</a:t>
             </a:fld>
             <a:endParaRPr lang="de-DE"/>
           </a:p>
@@ -1746,7 +1759,7 @@
           <a:p>
             <a:fld id="{F0E51C7C-CEA3-4CAA-BE4B-344879E7C377}" type="datetimeFigureOut">
               <a:rPr lang="de-DE" smtClean="0"/>
-              <a:t>30.10.2017</a:t>
+              <a:t>03.11.2017</a:t>
             </a:fld>
             <a:endParaRPr lang="de-DE"/>
           </a:p>
@@ -2180,7 +2193,7 @@
           <a:p>
             <a:fld id="{F0E51C7C-CEA3-4CAA-BE4B-344879E7C377}" type="datetimeFigureOut">
               <a:rPr lang="de-DE" smtClean="0"/>
-              <a:t>30.10.2017</a:t>
+              <a:t>03.11.2017</a:t>
             </a:fld>
             <a:endParaRPr lang="de-DE"/>
           </a:p>
@@ -2298,7 +2311,7 @@
           <a:p>
             <a:fld id="{F0E51C7C-CEA3-4CAA-BE4B-344879E7C377}" type="datetimeFigureOut">
               <a:rPr lang="de-DE" smtClean="0"/>
-              <a:t>30.10.2017</a:t>
+              <a:t>03.11.2017</a:t>
             </a:fld>
             <a:endParaRPr lang="de-DE"/>
           </a:p>
@@ -2393,7 +2406,7 @@
           <a:p>
             <a:fld id="{F0E51C7C-CEA3-4CAA-BE4B-344879E7C377}" type="datetimeFigureOut">
               <a:rPr lang="de-DE" smtClean="0"/>
-              <a:t>30.10.2017</a:t>
+              <a:t>03.11.2017</a:t>
             </a:fld>
             <a:endParaRPr lang="de-DE"/>
           </a:p>
@@ -2743,7 +2756,7 @@
           <a:p>
             <a:fld id="{F0E51C7C-CEA3-4CAA-BE4B-344879E7C377}" type="datetimeFigureOut">
               <a:rPr lang="de-DE" smtClean="0"/>
-              <a:t>30.10.2017</a:t>
+              <a:t>03.11.2017</a:t>
             </a:fld>
             <a:endParaRPr lang="de-DE"/>
           </a:p>
@@ -3168,7 +3181,7 @@
           <a:p>
             <a:fld id="{F0E51C7C-CEA3-4CAA-BE4B-344879E7C377}" type="datetimeFigureOut">
               <a:rPr lang="de-DE" smtClean="0"/>
-              <a:t>30.10.2017</a:t>
+              <a:t>03.11.2017</a:t>
             </a:fld>
             <a:endParaRPr lang="de-DE"/>
           </a:p>
@@ -3449,7 +3462,7 @@
           <a:p>
             <a:fld id="{F0E51C7C-CEA3-4CAA-BE4B-344879E7C377}" type="datetimeFigureOut">
               <a:rPr lang="de-DE" smtClean="0"/>
-              <a:t>30.10.2017</a:t>
+              <a:t>03.11.2017</a:t>
             </a:fld>
             <a:endParaRPr lang="de-DE"/>
           </a:p>
@@ -4104,6 +4117,564 @@
 </p:sld>
 </file>
 
+<file path=ppt/slides/slide10.xml><?xml version="1.0" encoding="utf-8"?>
+<p:sld xmlns:a="http://schemas.openxmlformats.org/drawingml/2006/main" xmlns:r="http://schemas.openxmlformats.org/officeDocument/2006/relationships" xmlns:p="http://schemas.openxmlformats.org/presentationml/2006/main">
+  <p:cSld>
+    <p:bg>
+      <p:bgPr>
+        <a:solidFill>
+          <a:schemeClr val="bg1"/>
+        </a:solidFill>
+        <a:effectLst/>
+      </p:bgPr>
+    </p:bg>
+    <p:spTree>
+      <p:nvGrpSpPr>
+        <p:cNvPr id="1" name=""/>
+        <p:cNvGrpSpPr/>
+        <p:nvPr/>
+      </p:nvGrpSpPr>
+      <p:grpSpPr>
+        <a:xfrm>
+          <a:off x="0" y="0"/>
+          <a:ext cx="0" cy="0"/>
+          <a:chOff x="0" y="0"/>
+          <a:chExt cx="0" cy="0"/>
+        </a:xfrm>
+      </p:grpSpPr>
+      <p:sp>
+        <p:nvSpPr>
+          <p:cNvPr id="2" name="Título 1">
+            <a:extLst>
+              <a:ext uri="{FF2B5EF4-FFF2-40B4-BE49-F238E27FC236}">
+                <a16:creationId xmlns:a16="http://schemas.microsoft.com/office/drawing/2014/main" id="{105C3B6F-ED82-4A2E-9C49-9C66B141EEC2}"/>
+              </a:ext>
+            </a:extLst>
+          </p:cNvPr>
+          <p:cNvSpPr>
+            <a:spLocks noGrp="1"/>
+          </p:cNvSpPr>
+          <p:nvPr>
+            <p:ph type="title"/>
+          </p:nvPr>
+        </p:nvSpPr>
+        <p:spPr>
+          <a:xfrm>
+            <a:off x="1069848" y="484632"/>
+            <a:ext cx="10058400" cy="1609344"/>
+          </a:xfrm>
+        </p:spPr>
+        <p:txBody>
+          <a:bodyPr>
+            <a:normAutofit/>
+          </a:bodyPr>
+          <a:lstStyle/>
+          <a:p>
+            <a:r>
+              <a:rPr lang="pt-BR" dirty="0"/>
+              <a:t>KNOCKOUT.JS</a:t>
+            </a:r>
+          </a:p>
+        </p:txBody>
+      </p:sp>
+      <p:sp>
+        <p:nvSpPr>
+          <p:cNvPr id="7" name="Espaço Reservado para Conteúdo 6">
+            <a:extLst>
+              <a:ext uri="{FF2B5EF4-FFF2-40B4-BE49-F238E27FC236}">
+                <a16:creationId xmlns:a16="http://schemas.microsoft.com/office/drawing/2014/main" id="{4CB13BF0-480F-4671-A38E-CE30029D1C13}"/>
+              </a:ext>
+            </a:extLst>
+          </p:cNvPr>
+          <p:cNvSpPr>
+            <a:spLocks noGrp="1"/>
+          </p:cNvSpPr>
+          <p:nvPr>
+            <p:ph idx="1"/>
+          </p:nvPr>
+        </p:nvSpPr>
+        <p:spPr>
+          <a:xfrm>
+            <a:off x="1069848" y="2121408"/>
+            <a:ext cx="4773168" cy="4050792"/>
+          </a:xfrm>
+        </p:spPr>
+        <p:txBody>
+          <a:bodyPr>
+            <a:normAutofit/>
+          </a:bodyPr>
+          <a:lstStyle/>
+          <a:p>
+            <a:pPr marL="0" indent="0">
+              <a:buNone/>
+            </a:pPr>
+            <a:r>
+              <a:rPr lang="pt-PT" b="1" dirty="0">
+                <a:latin typeface="Calibri" panose="020F0502020204030204" pitchFamily="34" charset="0"/>
+              </a:rPr>
+              <a:t>Arquitetura do Knockout</a:t>
+            </a:r>
+          </a:p>
+        </p:txBody>
+      </p:sp>
+      <p:pic>
+        <p:nvPicPr>
+          <p:cNvPr id="3" name="Imagem 2">
+            <a:extLst>
+              <a:ext uri="{FF2B5EF4-FFF2-40B4-BE49-F238E27FC236}">
+                <a16:creationId xmlns:a16="http://schemas.microsoft.com/office/drawing/2014/main" id="{73FBA5D5-85E0-4204-87AF-B0DDB0A517B9}"/>
+              </a:ext>
+            </a:extLst>
+          </p:cNvPr>
+          <p:cNvPicPr>
+            <a:picLocks noChangeAspect="1"/>
+          </p:cNvPicPr>
+          <p:nvPr/>
+        </p:nvPicPr>
+        <p:blipFill>
+          <a:blip r:embed="rId2"/>
+          <a:stretch>
+            <a:fillRect/>
+          </a:stretch>
+        </p:blipFill>
+        <p:spPr>
+          <a:xfrm>
+            <a:off x="4807286" y="1820751"/>
+            <a:ext cx="6249875" cy="4351449"/>
+          </a:xfrm>
+          <a:prstGeom prst="rect">
+            <a:avLst/>
+          </a:prstGeom>
+        </p:spPr>
+      </p:pic>
+    </p:spTree>
+    <p:extLst>
+      <p:ext uri="{BB962C8B-B14F-4D97-AF65-F5344CB8AC3E}">
+        <p14:creationId xmlns:p14="http://schemas.microsoft.com/office/powerpoint/2010/main" val="445412180"/>
+      </p:ext>
+    </p:extLst>
+  </p:cSld>
+  <p:clrMapOvr>
+    <a:masterClrMapping/>
+  </p:clrMapOvr>
+</p:sld>
+</file>
+
+<file path=ppt/slides/slide11.xml><?xml version="1.0" encoding="utf-8"?>
+<p:sld xmlns:a="http://schemas.openxmlformats.org/drawingml/2006/main" xmlns:r="http://schemas.openxmlformats.org/officeDocument/2006/relationships" xmlns:p="http://schemas.openxmlformats.org/presentationml/2006/main">
+  <p:cSld>
+    <p:spTree>
+      <p:nvGrpSpPr>
+        <p:cNvPr id="1" name=""/>
+        <p:cNvGrpSpPr/>
+        <p:nvPr/>
+      </p:nvGrpSpPr>
+      <p:grpSpPr>
+        <a:xfrm>
+          <a:off x="0" y="0"/>
+          <a:ext cx="0" cy="0"/>
+          <a:chOff x="0" y="0"/>
+          <a:chExt cx="0" cy="0"/>
+        </a:xfrm>
+      </p:grpSpPr>
+      <p:sp>
+        <p:nvSpPr>
+          <p:cNvPr id="2" name="Título 1">
+            <a:extLst>
+              <a:ext uri="{FF2B5EF4-FFF2-40B4-BE49-F238E27FC236}">
+                <a16:creationId xmlns:a16="http://schemas.microsoft.com/office/drawing/2014/main" id="{105C3B6F-ED82-4A2E-9C49-9C66B141EEC2}"/>
+              </a:ext>
+            </a:extLst>
+          </p:cNvPr>
+          <p:cNvSpPr>
+            <a:spLocks noGrp="1"/>
+          </p:cNvSpPr>
+          <p:nvPr>
+            <p:ph type="title"/>
+          </p:nvPr>
+        </p:nvSpPr>
+        <p:spPr/>
+        <p:txBody>
+          <a:bodyPr/>
+          <a:lstStyle/>
+          <a:p>
+            <a:r>
+              <a:rPr lang="pt-BR" dirty="0">
+                <a:solidFill>
+                  <a:srgbClr val="000000"/>
+                </a:solidFill>
+              </a:rPr>
+              <a:t>KNOCKOUT.JS</a:t>
+            </a:r>
+            <a:endParaRPr lang="pt-BR" dirty="0">
+              <a:solidFill>
+                <a:schemeClr val="tx1"/>
+              </a:solidFill>
+            </a:endParaRPr>
+          </a:p>
+        </p:txBody>
+      </p:sp>
+      <p:sp>
+        <p:nvSpPr>
+          <p:cNvPr id="3" name="Espaço Reservado para Conteúdo 2">
+            <a:extLst>
+              <a:ext uri="{FF2B5EF4-FFF2-40B4-BE49-F238E27FC236}">
+                <a16:creationId xmlns:a16="http://schemas.microsoft.com/office/drawing/2014/main" id="{6CC608A2-42E5-43F3-95D6-641CCC678B10}"/>
+              </a:ext>
+            </a:extLst>
+          </p:cNvPr>
+          <p:cNvSpPr>
+            <a:spLocks noGrp="1"/>
+          </p:cNvSpPr>
+          <p:nvPr>
+            <p:ph idx="1"/>
+          </p:nvPr>
+        </p:nvSpPr>
+        <p:spPr/>
+        <p:txBody>
+          <a:bodyPr vert="horz" lIns="91440" tIns="45720" rIns="91440" bIns="45720" rtlCol="0" anchor="t">
+            <a:normAutofit/>
+          </a:bodyPr>
+          <a:lstStyle/>
+          <a:p>
+            <a:pPr>
+              <a:buNone/>
+            </a:pPr>
+            <a:r>
+              <a:rPr lang="pt-BR" b="1" dirty="0">
+                <a:latin typeface="Calibri" panose="020F0502020204030204" pitchFamily="34" charset="0"/>
+              </a:rPr>
+              <a:t>Instalação</a:t>
+            </a:r>
+          </a:p>
+          <a:p>
+            <a:pPr>
+              <a:buNone/>
+            </a:pPr>
+            <a:r>
+              <a:rPr lang="pt-BR" dirty="0">
+                <a:latin typeface="Calibri" panose="020F0502020204030204" pitchFamily="34" charset="0"/>
+              </a:rPr>
+              <a:t>Acessando o site </a:t>
+            </a:r>
+            <a:r>
+              <a:rPr lang="pt-BR" dirty="0">
+                <a:latin typeface="Calibri" panose="020F0502020204030204" pitchFamily="34" charset="0"/>
+                <a:hlinkClick r:id="rId2"/>
+              </a:rPr>
+              <a:t>http://knockoutjs.com/downloads/index.html</a:t>
+            </a:r>
+            <a:r>
+              <a:rPr lang="pt-BR" dirty="0">
+                <a:latin typeface="Calibri" panose="020F0502020204030204" pitchFamily="34" charset="0"/>
+              </a:rPr>
+              <a:t> você terá acesso as varias maneiras de efetuar o download da biblioteca</a:t>
+            </a:r>
+          </a:p>
+          <a:p>
+            <a:pPr>
+              <a:buNone/>
+            </a:pPr>
+            <a:endParaRPr lang="pt-BR" dirty="0">
+              <a:latin typeface="Calibri" panose="020F0502020204030204" pitchFamily="34" charset="0"/>
+            </a:endParaRPr>
+          </a:p>
+          <a:p>
+            <a:pPr>
+              <a:buNone/>
+            </a:pPr>
+            <a:endParaRPr lang="pt-BR" dirty="0">
+              <a:latin typeface="Calibri" panose="020F0502020204030204" pitchFamily="34" charset="0"/>
+            </a:endParaRPr>
+          </a:p>
+        </p:txBody>
+      </p:sp>
+      <p:pic>
+        <p:nvPicPr>
+          <p:cNvPr id="4" name="Imagem 3">
+            <a:extLst>
+              <a:ext uri="{FF2B5EF4-FFF2-40B4-BE49-F238E27FC236}">
+                <a16:creationId xmlns:a16="http://schemas.microsoft.com/office/drawing/2014/main" id="{B6C8309F-F74A-4533-9D2E-81150240EA59}"/>
+              </a:ext>
+            </a:extLst>
+          </p:cNvPr>
+          <p:cNvPicPr>
+            <a:picLocks noChangeAspect="1"/>
+          </p:cNvPicPr>
+          <p:nvPr/>
+        </p:nvPicPr>
+        <p:blipFill>
+          <a:blip r:embed="rId3"/>
+          <a:stretch>
+            <a:fillRect/>
+          </a:stretch>
+        </p:blipFill>
+        <p:spPr>
+          <a:xfrm>
+            <a:off x="2422934" y="3276869"/>
+            <a:ext cx="7352227" cy="3086100"/>
+          </a:xfrm>
+          <a:prstGeom prst="rect">
+            <a:avLst/>
+          </a:prstGeom>
+        </p:spPr>
+      </p:pic>
+    </p:spTree>
+    <p:extLst>
+      <p:ext uri="{BB962C8B-B14F-4D97-AF65-F5344CB8AC3E}">
+        <p14:creationId xmlns:p14="http://schemas.microsoft.com/office/powerpoint/2010/main" val="181734582"/>
+      </p:ext>
+    </p:extLst>
+  </p:cSld>
+  <p:clrMapOvr>
+    <a:masterClrMapping/>
+  </p:clrMapOvr>
+</p:sld>
+</file>
+
+<file path=ppt/slides/slide12.xml><?xml version="1.0" encoding="utf-8"?>
+<p:sld xmlns:a="http://schemas.openxmlformats.org/drawingml/2006/main" xmlns:r="http://schemas.openxmlformats.org/officeDocument/2006/relationships" xmlns:p="http://schemas.openxmlformats.org/presentationml/2006/main">
+  <p:cSld>
+    <p:spTree>
+      <p:nvGrpSpPr>
+        <p:cNvPr id="1" name=""/>
+        <p:cNvGrpSpPr/>
+        <p:nvPr/>
+      </p:nvGrpSpPr>
+      <p:grpSpPr>
+        <a:xfrm>
+          <a:off x="0" y="0"/>
+          <a:ext cx="0" cy="0"/>
+          <a:chOff x="0" y="0"/>
+          <a:chExt cx="0" cy="0"/>
+        </a:xfrm>
+      </p:grpSpPr>
+      <p:sp>
+        <p:nvSpPr>
+          <p:cNvPr id="2" name="Título 1">
+            <a:extLst>
+              <a:ext uri="{FF2B5EF4-FFF2-40B4-BE49-F238E27FC236}">
+                <a16:creationId xmlns:a16="http://schemas.microsoft.com/office/drawing/2014/main" id="{105C3B6F-ED82-4A2E-9C49-9C66B141EEC2}"/>
+              </a:ext>
+            </a:extLst>
+          </p:cNvPr>
+          <p:cNvSpPr>
+            <a:spLocks noGrp="1"/>
+          </p:cNvSpPr>
+          <p:nvPr>
+            <p:ph type="title"/>
+          </p:nvPr>
+        </p:nvSpPr>
+        <p:spPr/>
+        <p:txBody>
+          <a:bodyPr/>
+          <a:lstStyle/>
+          <a:p>
+            <a:r>
+              <a:rPr lang="pt-BR" dirty="0">
+                <a:solidFill>
+                  <a:srgbClr val="000000"/>
+                </a:solidFill>
+              </a:rPr>
+              <a:t>KNOCKOUT.JS</a:t>
+            </a:r>
+            <a:endParaRPr lang="pt-BR" dirty="0">
+              <a:solidFill>
+                <a:schemeClr val="tx1"/>
+              </a:solidFill>
+            </a:endParaRPr>
+          </a:p>
+        </p:txBody>
+      </p:sp>
+      <p:sp>
+        <p:nvSpPr>
+          <p:cNvPr id="3" name="Espaço Reservado para Conteúdo 2">
+            <a:extLst>
+              <a:ext uri="{FF2B5EF4-FFF2-40B4-BE49-F238E27FC236}">
+                <a16:creationId xmlns:a16="http://schemas.microsoft.com/office/drawing/2014/main" id="{6CC608A2-42E5-43F3-95D6-641CCC678B10}"/>
+              </a:ext>
+            </a:extLst>
+          </p:cNvPr>
+          <p:cNvSpPr>
+            <a:spLocks noGrp="1"/>
+          </p:cNvSpPr>
+          <p:nvPr>
+            <p:ph idx="1"/>
+          </p:nvPr>
+        </p:nvSpPr>
+        <p:spPr/>
+        <p:txBody>
+          <a:bodyPr vert="horz" lIns="91440" tIns="45720" rIns="91440" bIns="45720" rtlCol="0" anchor="t">
+            <a:normAutofit/>
+          </a:bodyPr>
+          <a:lstStyle/>
+          <a:p>
+            <a:pPr>
+              <a:buNone/>
+            </a:pPr>
+            <a:r>
+              <a:rPr lang="pt-BR" b="1" dirty="0">
+                <a:latin typeface="Calibri" panose="020F0502020204030204" pitchFamily="34" charset="0"/>
+              </a:rPr>
+              <a:t>Iniciando os trabalhos com KNOCKOUT</a:t>
+            </a:r>
+          </a:p>
+          <a:p>
+            <a:pPr>
+              <a:buNone/>
+            </a:pPr>
+            <a:endParaRPr lang="pt-BR" dirty="0">
+              <a:latin typeface="Calibri" panose="020F0502020204030204" pitchFamily="34" charset="0"/>
+            </a:endParaRPr>
+          </a:p>
+        </p:txBody>
+      </p:sp>
+    </p:spTree>
+    <p:extLst>
+      <p:ext uri="{BB962C8B-B14F-4D97-AF65-F5344CB8AC3E}">
+        <p14:creationId xmlns:p14="http://schemas.microsoft.com/office/powerpoint/2010/main" val="1838598878"/>
+      </p:ext>
+    </p:extLst>
+  </p:cSld>
+  <p:clrMapOvr>
+    <a:masterClrMapping/>
+  </p:clrMapOvr>
+</p:sld>
+</file>
+
+<file path=ppt/slides/slide13.xml><?xml version="1.0" encoding="utf-8"?>
+<p:sld xmlns:a="http://schemas.openxmlformats.org/drawingml/2006/main" xmlns:r="http://schemas.openxmlformats.org/officeDocument/2006/relationships" xmlns:p="http://schemas.openxmlformats.org/presentationml/2006/main">
+  <p:cSld>
+    <p:spTree>
+      <p:nvGrpSpPr>
+        <p:cNvPr id="1" name=""/>
+        <p:cNvGrpSpPr/>
+        <p:nvPr/>
+      </p:nvGrpSpPr>
+      <p:grpSpPr>
+        <a:xfrm>
+          <a:off x="0" y="0"/>
+          <a:ext cx="0" cy="0"/>
+          <a:chOff x="0" y="0"/>
+          <a:chExt cx="0" cy="0"/>
+        </a:xfrm>
+      </p:grpSpPr>
+      <p:sp>
+        <p:nvSpPr>
+          <p:cNvPr id="2" name="Título 1">
+            <a:extLst>
+              <a:ext uri="{FF2B5EF4-FFF2-40B4-BE49-F238E27FC236}">
+                <a16:creationId xmlns:a16="http://schemas.microsoft.com/office/drawing/2014/main" id="{105C3B6F-ED82-4A2E-9C49-9C66B141EEC2}"/>
+              </a:ext>
+            </a:extLst>
+          </p:cNvPr>
+          <p:cNvSpPr>
+            <a:spLocks noGrp="1"/>
+          </p:cNvSpPr>
+          <p:nvPr>
+            <p:ph type="title"/>
+          </p:nvPr>
+        </p:nvSpPr>
+        <p:spPr/>
+        <p:txBody>
+          <a:bodyPr/>
+          <a:lstStyle/>
+          <a:p>
+            <a:r>
+              <a:rPr lang="pt-BR" dirty="0">
+                <a:solidFill>
+                  <a:srgbClr val="000000"/>
+                </a:solidFill>
+              </a:rPr>
+              <a:t>REFERÊNCIAS</a:t>
+            </a:r>
+            <a:endParaRPr lang="pt-BR" dirty="0" err="1">
+              <a:solidFill>
+                <a:schemeClr val="tx1"/>
+              </a:solidFill>
+            </a:endParaRPr>
+          </a:p>
+        </p:txBody>
+      </p:sp>
+      <p:sp>
+        <p:nvSpPr>
+          <p:cNvPr id="3" name="Espaço Reservado para Conteúdo 2">
+            <a:extLst>
+              <a:ext uri="{FF2B5EF4-FFF2-40B4-BE49-F238E27FC236}">
+                <a16:creationId xmlns:a16="http://schemas.microsoft.com/office/drawing/2014/main" id="{6CC608A2-42E5-43F3-95D6-641CCC678B10}"/>
+              </a:ext>
+            </a:extLst>
+          </p:cNvPr>
+          <p:cNvSpPr>
+            <a:spLocks noGrp="1"/>
+          </p:cNvSpPr>
+          <p:nvPr>
+            <p:ph idx="1"/>
+          </p:nvPr>
+        </p:nvSpPr>
+        <p:spPr/>
+        <p:txBody>
+          <a:bodyPr vert="horz" lIns="91440" tIns="45720" rIns="91440" bIns="45720" rtlCol="0" anchor="t">
+            <a:normAutofit/>
+          </a:bodyPr>
+          <a:lstStyle/>
+          <a:p>
+            <a:pPr>
+              <a:buNone/>
+            </a:pPr>
+            <a:r>
+              <a:rPr lang="pt-BR" dirty="0">
+                <a:hlinkClick r:id="rId2"/>
+              </a:rPr>
+              <a:t>http://www.ecma-international.org/publications/files/ECMA-ST/Ecma-262.pdf</a:t>
+            </a:r>
+            <a:endParaRPr lang="pt-BR"/>
+          </a:p>
+          <a:p>
+            <a:pPr>
+              <a:buNone/>
+            </a:pPr>
+            <a:r>
+              <a:rPr lang="pt-BR" dirty="0">
+                <a:hlinkClick r:id="rId3"/>
+              </a:rPr>
+              <a:t>https://developer.mozilla.org/en-US/docs/Web/JavaScript/New_in_JavaScript/1.8.5</a:t>
+            </a:r>
+            <a:endParaRPr lang="pt-BR"/>
+          </a:p>
+          <a:p>
+            <a:pPr>
+              <a:buNone/>
+            </a:pPr>
+            <a:r>
+              <a:rPr lang="pt-BR" dirty="0">
+                <a:hlinkClick r:id="rId4"/>
+              </a:rPr>
+              <a:t>https://johnresig.com/blog/versions-of-javascript/</a:t>
+            </a:r>
+            <a:endParaRPr lang="pt-BR"/>
+          </a:p>
+          <a:p>
+            <a:pPr>
+              <a:buNone/>
+            </a:pPr>
+            <a:endParaRPr lang="pt-BR" dirty="0"/>
+          </a:p>
+        </p:txBody>
+      </p:sp>
+    </p:spTree>
+    <p:extLst>
+      <p:ext uri="{BB962C8B-B14F-4D97-AF65-F5344CB8AC3E}">
+        <p14:creationId xmlns:p14="http://schemas.microsoft.com/office/powerpoint/2010/main" val="1512545880"/>
+      </p:ext>
+    </p:extLst>
+  </p:cSld>
+  <p:clrMapOvr>
+    <a:masterClrMapping/>
+  </p:clrMapOvr>
+</p:sld>
+</file>
+
 <file path=ppt/slides/slide2.xml><?xml version="1.0" encoding="utf-8"?>
 <p:sld xmlns:a="http://schemas.openxmlformats.org/drawingml/2006/main" xmlns:r="http://schemas.openxmlformats.org/officeDocument/2006/relationships" xmlns:p="http://schemas.openxmlformats.org/presentationml/2006/main">
   <p:cSld>
@@ -4182,15 +4753,21 @@
           <a:lstStyle/>
           <a:p>
             <a:r>
-              <a:rPr lang="pt-BR" dirty="0" err="1"/>
+              <a:rPr lang="pt-BR" dirty="0" err="1">
+                <a:latin typeface="Calibri" panose="020F0502020204030204" pitchFamily="34" charset="0"/>
+              </a:rPr>
               <a:t>JavaScript</a:t>
             </a:r>
             <a:r>
-              <a:rPr lang="pt-BR" dirty="0"/>
+              <a:rPr lang="pt-BR" dirty="0">
+                <a:latin typeface="Calibri" panose="020F0502020204030204" pitchFamily="34" charset="0"/>
+              </a:rPr>
               <a:t> foi originalmente desenvolvido por Brendan </a:t>
             </a:r>
             <a:r>
-              <a:rPr lang="pt-BR" dirty="0" err="1"/>
+              <a:rPr lang="pt-BR" dirty="0" err="1">
+                <a:latin typeface="Calibri" panose="020F0502020204030204" pitchFamily="34" charset="0"/>
+              </a:rPr>
               <a:t>Eich</a:t>
             </a:r>
           </a:p>
@@ -4203,7 +4780,9 @@
                 <a:srgbClr val="9E3611"/>
               </a:buClr>
             </a:pPr>
-            <a:endParaRPr lang="pt-BR" dirty="0"/>
+            <a:endParaRPr lang="pt-BR" dirty="0">
+              <a:latin typeface="Calibri" panose="020F0502020204030204" pitchFamily="34" charset="0"/>
+            </a:endParaRPr>
           </a:p>
           <a:p>
             <a:pPr lvl="1">
@@ -4211,7 +4790,9 @@
                 <a:srgbClr val="9E3611"/>
               </a:buClr>
             </a:pPr>
-            <a:endParaRPr lang="pt-BR" dirty="0"/>
+            <a:endParaRPr lang="pt-BR" dirty="0">
+              <a:latin typeface="Calibri" panose="020F0502020204030204" pitchFamily="34" charset="0"/>
+            </a:endParaRPr>
           </a:p>
           <a:p>
             <a:pPr lvl="1">
@@ -4219,7 +4800,9 @@
                 <a:srgbClr val="9E3611"/>
               </a:buClr>
             </a:pPr>
-            <a:endParaRPr lang="pt-BR" dirty="0"/>
+            <a:endParaRPr lang="pt-BR" dirty="0">
+              <a:latin typeface="Calibri" panose="020F0502020204030204" pitchFamily="34" charset="0"/>
+            </a:endParaRPr>
           </a:p>
           <a:p>
             <a:pPr lvl="1">
@@ -4227,7 +4810,9 @@
                 <a:srgbClr val="9E3611"/>
               </a:buClr>
             </a:pPr>
-            <a:endParaRPr lang="pt-BR" dirty="0"/>
+            <a:endParaRPr lang="pt-BR" dirty="0">
+              <a:latin typeface="Calibri" panose="020F0502020204030204" pitchFamily="34" charset="0"/>
+            </a:endParaRPr>
           </a:p>
           <a:p>
             <a:pPr lvl="1">
@@ -4235,7 +4820,9 @@
                 <a:srgbClr val="9E3611"/>
               </a:buClr>
             </a:pPr>
-            <a:endParaRPr lang="pt-BR" dirty="0"/>
+            <a:endParaRPr lang="pt-BR" dirty="0">
+              <a:latin typeface="Calibri" panose="020F0502020204030204" pitchFamily="34" charset="0"/>
+            </a:endParaRPr>
           </a:p>
           <a:p>
             <a:pPr marL="274320" lvl="1" indent="0">
@@ -4244,19 +4831,25 @@
               </a:buClr>
               <a:buNone/>
             </a:pPr>
-            <a:endParaRPr lang="pt-BR" dirty="0"/>
+            <a:endParaRPr lang="pt-BR" dirty="0">
+              <a:latin typeface="Calibri" panose="020F0502020204030204" pitchFamily="34" charset="0"/>
+            </a:endParaRPr>
           </a:p>
           <a:p>
             <a:pPr marL="274320" lvl="1" indent="0">
               <a:buNone/>
             </a:pPr>
-            <a:endParaRPr lang="pt-BR" dirty="0"/>
+            <a:endParaRPr lang="pt-BR" dirty="0">
+              <a:latin typeface="Calibri" panose="020F0502020204030204" pitchFamily="34" charset="0"/>
+            </a:endParaRPr>
           </a:p>
           <a:p>
             <a:pPr marL="274320" lvl="1" indent="0">
               <a:buNone/>
             </a:pPr>
-            <a:endParaRPr lang="pt-BR" dirty="0"/>
+            <a:endParaRPr lang="pt-BR" dirty="0">
+              <a:latin typeface="Calibri" panose="020F0502020204030204" pitchFamily="34" charset="0"/>
+            </a:endParaRPr>
           </a:p>
           <a:p>
             <a:pPr>
@@ -4266,19 +4859,27 @@
               <a:buFont typeface="Wingdings"/>
             </a:pPr>
             <a:r>
-              <a:rPr lang="pt-BR" dirty="0"/>
+              <a:rPr lang="pt-BR" dirty="0">
+                <a:latin typeface="Calibri" panose="020F0502020204030204" pitchFamily="34" charset="0"/>
+              </a:rPr>
               <a:t>Criado com o nome de Mocha, posteriormente teve seu nome mudado para </a:t>
             </a:r>
             <a:r>
-              <a:rPr lang="pt-BR" dirty="0" err="1"/>
+              <a:rPr lang="pt-BR" dirty="0" err="1">
+                <a:latin typeface="Calibri" panose="020F0502020204030204" pitchFamily="34" charset="0"/>
+              </a:rPr>
               <a:t>LiveScript</a:t>
             </a:r>
             <a:r>
-              <a:rPr lang="pt-BR" dirty="0"/>
+              <a:rPr lang="pt-BR" dirty="0">
+                <a:latin typeface="Calibri" panose="020F0502020204030204" pitchFamily="34" charset="0"/>
+              </a:rPr>
               <a:t> e por fim </a:t>
             </a:r>
             <a:r>
-              <a:rPr lang="pt-BR" dirty="0" err="1"/>
+              <a:rPr lang="pt-BR" dirty="0" err="1">
+                <a:latin typeface="Calibri" panose="020F0502020204030204" pitchFamily="34" charset="0"/>
+              </a:rPr>
               <a:t>JavaScript</a:t>
             </a:r>
           </a:p>
@@ -4400,7 +5001,7 @@
         <p:spPr/>
         <p:txBody>
           <a:bodyPr vert="horz" lIns="91440" tIns="45720" rIns="91440" bIns="45720" rtlCol="0" anchor="t">
-            <a:normAutofit fontScale="77500" lnSpcReduction="20000"/>
+            <a:normAutofit fontScale="85000" lnSpcReduction="20000"/>
           </a:bodyPr>
           <a:lstStyle/>
           <a:p>
@@ -4408,37 +5009,51 @@
               <a:buNone/>
             </a:pPr>
             <a:r>
-              <a:rPr lang="pt-BR" b="1" dirty="0"/>
+              <a:rPr lang="pt-BR" b="1" dirty="0">
+                <a:latin typeface="Calibri" panose="020F0502020204030204" pitchFamily="34" charset="0"/>
+              </a:rPr>
               <a:t>Imperativa e Estruturada</a:t>
             </a:r>
             <a:br>
               <a:rPr lang="en-US" dirty="0">
-                <a:latin typeface="+mn-ea"/>
+                <a:latin typeface="Calibri" panose="020F0502020204030204" pitchFamily="34" charset="0"/>
                 <a:cs typeface="+mn-ea"/>
               </a:rPr>
             </a:br>
             <a:r>
-              <a:rPr lang="pt-BR" dirty="0" err="1"/>
+              <a:rPr lang="pt-BR" dirty="0" err="1">
+                <a:latin typeface="Calibri" panose="020F0502020204030204" pitchFamily="34" charset="0"/>
+              </a:rPr>
               <a:t>JavaScript</a:t>
             </a:r>
             <a:r>
-              <a:rPr lang="pt-BR" dirty="0"/>
+              <a:rPr lang="pt-BR" dirty="0">
+                <a:latin typeface="Calibri" panose="020F0502020204030204" pitchFamily="34" charset="0"/>
+              </a:rPr>
               <a:t> suporta os elementos de sintaxe de programação estruturada da linguagem C (por exemplo, </a:t>
             </a:r>
             <a:r>
-              <a:rPr lang="pt-BR" dirty="0" err="1"/>
+              <a:rPr lang="pt-BR" dirty="0" err="1">
+                <a:latin typeface="Calibri" panose="020F0502020204030204" pitchFamily="34" charset="0"/>
+              </a:rPr>
               <a:t>if</a:t>
             </a:r>
             <a:r>
-              <a:rPr lang="pt-BR" dirty="0"/>
+              <a:rPr lang="pt-BR" dirty="0">
+                <a:latin typeface="Calibri" panose="020F0502020204030204" pitchFamily="34" charset="0"/>
+              </a:rPr>
               <a:t>, </a:t>
             </a:r>
             <a:r>
-              <a:rPr lang="pt-BR" dirty="0" err="1"/>
+              <a:rPr lang="pt-BR" dirty="0" err="1">
+                <a:latin typeface="Calibri" panose="020F0502020204030204" pitchFamily="34" charset="0"/>
+              </a:rPr>
               <a:t>while</a:t>
             </a:r>
             <a:r>
-              <a:rPr lang="pt-BR" dirty="0"/>
+              <a:rPr lang="pt-BR" dirty="0">
+                <a:latin typeface="Calibri" panose="020F0502020204030204" pitchFamily="34" charset="0"/>
+              </a:rPr>
               <a:t>, switch)</a:t>
             </a:r>
           </a:p>
@@ -4446,36 +5061,48 @@
             <a:pPr>
               <a:buNone/>
             </a:pPr>
-            <a:endParaRPr lang="pt-BR" dirty="0"/>
+            <a:endParaRPr lang="pt-BR" dirty="0">
+              <a:latin typeface="Calibri" panose="020F0502020204030204" pitchFamily="34" charset="0"/>
+            </a:endParaRPr>
           </a:p>
           <a:p>
             <a:pPr>
               <a:buNone/>
             </a:pPr>
             <a:r>
-              <a:rPr lang="pt-BR" b="1" dirty="0" err="1"/>
+              <a:rPr lang="pt-BR" b="1" dirty="0" err="1">
+                <a:latin typeface="Calibri" panose="020F0502020204030204" pitchFamily="34" charset="0"/>
+              </a:rPr>
               <a:t>Tipagem</a:t>
             </a:r>
             <a:r>
-              <a:rPr lang="pt-BR" b="1" dirty="0"/>
+              <a:rPr lang="pt-BR" b="1" dirty="0">
+                <a:latin typeface="Calibri" panose="020F0502020204030204" pitchFamily="34" charset="0"/>
+              </a:rPr>
               <a:t> dinâmica</a:t>
             </a:r>
             <a:br>
               <a:rPr lang="en-US" dirty="0">
-                <a:latin typeface="+mn-ea"/>
+                <a:latin typeface="Calibri" panose="020F0502020204030204" pitchFamily="34" charset="0"/>
                 <a:cs typeface="+mn-ea"/>
               </a:rPr>
             </a:br>
             <a:r>
-              <a:rPr lang="pt-BR" dirty="0"/>
+              <a:rPr lang="pt-BR" dirty="0">
+                <a:latin typeface="Calibri" panose="020F0502020204030204" pitchFamily="34" charset="0"/>
+              </a:rPr>
               <a:t>Como na maioria das linguagens de script, tipos são associados com valores, não com variáveis. Por exemplo, a variável x poderia ser associada a um número e mais tarde associada a uma </a:t>
             </a:r>
             <a:r>
-              <a:rPr lang="pt-BR" dirty="0" err="1"/>
+              <a:rPr lang="pt-BR" dirty="0" err="1">
+                <a:latin typeface="Calibri" panose="020F0502020204030204" pitchFamily="34" charset="0"/>
+              </a:rPr>
               <a:t>string</a:t>
             </a:r>
             <a:r>
-              <a:rPr lang="pt-BR" dirty="0"/>
+              <a:rPr lang="pt-BR" dirty="0">
+                <a:latin typeface="Calibri" panose="020F0502020204030204" pitchFamily="34" charset="0"/>
+              </a:rPr>
               <a:t>. </a:t>
             </a:r>
           </a:p>
@@ -4483,32 +5110,42 @@
             <a:pPr>
               <a:buNone/>
             </a:pPr>
-            <a:endParaRPr lang="pt-BR" dirty="0"/>
+            <a:endParaRPr lang="pt-BR" dirty="0">
+              <a:latin typeface="Calibri" panose="020F0502020204030204" pitchFamily="34" charset="0"/>
+            </a:endParaRPr>
           </a:p>
           <a:p>
             <a:pPr>
               <a:buNone/>
             </a:pPr>
             <a:r>
-              <a:rPr lang="pt-BR" b="1" dirty="0"/>
+              <a:rPr lang="pt-BR" b="1" dirty="0">
+                <a:latin typeface="Calibri" panose="020F0502020204030204" pitchFamily="34" charset="0"/>
+              </a:rPr>
               <a:t>Funções de primeira classe</a:t>
             </a:r>
             <a:br>
               <a:rPr lang="en-US" dirty="0">
-                <a:latin typeface="+mn-ea"/>
+                <a:latin typeface="Calibri" panose="020F0502020204030204" pitchFamily="34" charset="0"/>
                 <a:cs typeface="+mn-ea"/>
               </a:rPr>
             </a:br>
             <a:r>
-              <a:rPr lang="pt-BR" dirty="0"/>
+              <a:rPr lang="pt-BR" dirty="0">
+                <a:latin typeface="Calibri" panose="020F0502020204030204" pitchFamily="34" charset="0"/>
+              </a:rPr>
               <a:t>No </a:t>
             </a:r>
             <a:r>
-              <a:rPr lang="pt-BR" dirty="0" err="1"/>
+              <a:rPr lang="pt-BR" dirty="0" err="1">
+                <a:latin typeface="Calibri" panose="020F0502020204030204" pitchFamily="34" charset="0"/>
+              </a:rPr>
               <a:t>JavaScript</a:t>
             </a:r>
             <a:r>
-              <a:rPr lang="pt-BR" dirty="0"/>
+              <a:rPr lang="pt-BR" dirty="0">
+                <a:latin typeface="Calibri" panose="020F0502020204030204" pitchFamily="34" charset="0"/>
+              </a:rPr>
               <a:t> as funções são de primeira classe, isto é, são objetos que possuem propriedades e métodos, e podem ser passados como argumentos, serem atribuídos a variáveis ou retornados como qualquer outro objeto.</a:t>
             </a:r>
           </a:p>
@@ -4516,28 +5153,36 @@
             <a:pPr>
               <a:buNone/>
             </a:pPr>
-            <a:endParaRPr lang="pt-BR" b="1" dirty="0"/>
+            <a:endParaRPr lang="pt-BR" b="1" dirty="0">
+              <a:latin typeface="Calibri" panose="020F0502020204030204" pitchFamily="34" charset="0"/>
+            </a:endParaRPr>
           </a:p>
           <a:p>
             <a:pPr>
               <a:buNone/>
             </a:pPr>
             <a:r>
-              <a:rPr lang="pt-BR" b="1" dirty="0"/>
+              <a:rPr lang="pt-BR" b="1" dirty="0">
+                <a:latin typeface="Calibri" panose="020F0502020204030204" pitchFamily="34" charset="0"/>
+              </a:rPr>
               <a:t>Funções e métodos</a:t>
             </a:r>
             <a:br>
               <a:rPr lang="en-US" dirty="0">
-                <a:latin typeface="+mn-ea"/>
+                <a:latin typeface="Calibri" panose="020F0502020204030204" pitchFamily="34" charset="0"/>
                 <a:cs typeface="+mn-ea"/>
               </a:rPr>
             </a:br>
             <a:r>
-              <a:rPr lang="pt-BR" dirty="0"/>
+              <a:rPr lang="pt-BR" dirty="0">
+                <a:latin typeface="Calibri" panose="020F0502020204030204" pitchFamily="34" charset="0"/>
+              </a:rPr>
               <a:t>Diferente de muitas linguagens orientadas a objetos, não há distinção entre a definição de uma função e a definição de um método no </a:t>
             </a:r>
             <a:r>
-              <a:rPr lang="pt-BR" dirty="0" err="1"/>
+              <a:rPr lang="pt-BR" dirty="0" err="1">
+                <a:latin typeface="Calibri" panose="020F0502020204030204" pitchFamily="34" charset="0"/>
+              </a:rPr>
               <a:t>JavaScript</a:t>
             </a:r>
           </a:p>
@@ -4600,9 +5245,9 @@
                   <a:srgbClr val="000000"/>
                 </a:solidFill>
               </a:rPr>
-              <a:t>REFERÊNCIAS</a:t>
-            </a:r>
-            <a:endParaRPr lang="pt-BR" dirty="0" err="1">
+              <a:t>KNOCKOUT.JS</a:t>
+            </a:r>
+            <a:endParaRPr lang="pt-BR" dirty="0">
               <a:solidFill>
                 <a:schemeClr val="tx1"/>
               </a:solidFill>
@@ -4637,12 +5282,40 @@
               <a:buNone/>
             </a:pPr>
             <a:r>
+              <a:rPr lang="pt-PT" dirty="0">
+                <a:latin typeface="Calibri" panose="020F0502020204030204" pitchFamily="34" charset="0"/>
+              </a:rPr>
+              <a:t>KnockoutJS é basicamente uma biblioteca escrita em JavaScript, com base no padrão MVVM</a:t>
+            </a:r>
+          </a:p>
+          <a:p>
+            <a:pPr>
+              <a:buNone/>
+            </a:pPr>
+            <a:endParaRPr lang="pt-PT" dirty="0">
+              <a:latin typeface="Calibri" panose="020F0502020204030204" pitchFamily="34" charset="0"/>
+            </a:endParaRPr>
+          </a:p>
+          <a:p>
+            <a:pPr>
+              <a:buNone/>
+            </a:pPr>
+            <a:r>
               <a:rPr lang="pt-BR" dirty="0">
+                <a:latin typeface="Calibri" panose="020F0502020204030204" pitchFamily="34" charset="0"/>
+              </a:rPr>
+              <a:t>Na definição oficial - </a:t>
+            </a:r>
+            <a:r>
+              <a:rPr lang="pt-BR" dirty="0">
+                <a:latin typeface="Calibri" panose="020F0502020204030204" pitchFamily="34" charset="0"/>
                 <a:hlinkClick r:id="rId2"/>
               </a:rPr>
-              <a:t>http://www.ecma-international.org/publications/files/ECMA-ST/Ecma-262.pdf</a:t>
-            </a:r>
-            <a:endParaRPr lang="pt-BR"/>
+              <a:t>http://knockoutjs.com/</a:t>
+            </a:r>
+            <a:endParaRPr lang="pt-BR" dirty="0">
+              <a:latin typeface="Calibri" panose="020F0502020204030204" pitchFamily="34" charset="0"/>
+            </a:endParaRPr>
           </a:p>
           <a:p>
             <a:pPr>
@@ -4650,36 +5323,916 @@
             </a:pPr>
             <a:r>
               <a:rPr lang="pt-BR" dirty="0">
-                <a:hlinkClick r:id="rId3"/>
-              </a:rPr>
-              <a:t>https://developer.mozilla.org/en-US/docs/Web/JavaScript/New_in_JavaScript/1.8.5</a:t>
-            </a:r>
-            <a:endParaRPr lang="pt-BR"/>
+                <a:latin typeface="Calibri" panose="020F0502020204030204" pitchFamily="34" charset="0"/>
+              </a:rPr>
+              <a:t>	“o </a:t>
+            </a:r>
+            <a:r>
+              <a:rPr lang="pt-BR" dirty="0" err="1">
+                <a:latin typeface="Calibri" panose="020F0502020204030204" pitchFamily="34" charset="0"/>
+              </a:rPr>
+              <a:t>KnockoutJS</a:t>
+            </a:r>
+            <a:r>
+              <a:rPr lang="pt-BR" dirty="0">
+                <a:latin typeface="Calibri" panose="020F0502020204030204" pitchFamily="34" charset="0"/>
+              </a:rPr>
+              <a:t> é uma biblioteca </a:t>
+            </a:r>
+            <a:r>
+              <a:rPr lang="pt-BR" dirty="0" err="1">
+                <a:latin typeface="Calibri" panose="020F0502020204030204" pitchFamily="34" charset="0"/>
+              </a:rPr>
+              <a:t>JavaScript</a:t>
+            </a:r>
+            <a:r>
+              <a:rPr lang="pt-BR" dirty="0">
+                <a:latin typeface="Calibri" panose="020F0502020204030204" pitchFamily="34" charset="0"/>
+              </a:rPr>
+              <a:t> (Open </a:t>
+            </a:r>
+            <a:r>
+              <a:rPr lang="pt-BR" dirty="0" err="1">
+                <a:latin typeface="Calibri" panose="020F0502020204030204" pitchFamily="34" charset="0"/>
+              </a:rPr>
+              <a:t>Source</a:t>
+            </a:r>
+            <a:r>
+              <a:rPr lang="pt-BR" dirty="0">
+                <a:latin typeface="Calibri" panose="020F0502020204030204" pitchFamily="34" charset="0"/>
+              </a:rPr>
+              <a:t>) que simplifica a construção de interfaces gráficas dinâmicas, usando o padrão MVVM. (</a:t>
+            </a:r>
+            <a:r>
+              <a:rPr lang="pt-BR" dirty="0" err="1">
+                <a:latin typeface="Calibri" panose="020F0502020204030204" pitchFamily="34" charset="0"/>
+              </a:rPr>
+              <a:t>Model-View-ViewModel</a:t>
+            </a:r>
+            <a:r>
+              <a:rPr lang="pt-BR" dirty="0">
+                <a:latin typeface="Calibri" panose="020F0502020204030204" pitchFamily="34" charset="0"/>
+              </a:rPr>
+              <a:t>)”</a:t>
+            </a:r>
           </a:p>
           <a:p>
             <a:pPr>
               <a:buNone/>
             </a:pPr>
-            <a:r>
-              <a:rPr lang="pt-BR" dirty="0">
-                <a:hlinkClick r:id="rId4"/>
-              </a:rPr>
-              <a:t>https://johnresig.com/blog/versions-of-javascript/</a:t>
-            </a:r>
-            <a:endParaRPr lang="pt-BR"/>
+            <a:endParaRPr lang="pt-PT" dirty="0">
+              <a:latin typeface="Calibri" panose="020F0502020204030204" pitchFamily="34" charset="0"/>
+            </a:endParaRPr>
           </a:p>
           <a:p>
             <a:pPr>
               <a:buNone/>
             </a:pPr>
-            <a:endParaRPr lang="pt-BR" dirty="0"/>
+            <a:r>
+              <a:rPr lang="pt-PT" dirty="0">
+                <a:latin typeface="Calibri" panose="020F0502020204030204" pitchFamily="34" charset="0"/>
+              </a:rPr>
+              <a:t>A biblioteca KnockoutJS fornece uma maneira fácil e limpa de lidar com interfaces complexas baseadas em dados.</a:t>
+            </a:r>
+            <a:endParaRPr lang="pt-BR" dirty="0" err="1">
+              <a:latin typeface="Calibri" panose="020F0502020204030204" pitchFamily="34" charset="0"/>
+            </a:endParaRPr>
           </a:p>
         </p:txBody>
       </p:sp>
     </p:spTree>
     <p:extLst>
       <p:ext uri="{BB962C8B-B14F-4D97-AF65-F5344CB8AC3E}">
-        <p14:creationId xmlns:p14="http://schemas.microsoft.com/office/powerpoint/2010/main" val="1512545880"/>
+        <p14:creationId xmlns:p14="http://schemas.microsoft.com/office/powerpoint/2010/main" val="2899949645"/>
+      </p:ext>
+    </p:extLst>
+  </p:cSld>
+  <p:clrMapOvr>
+    <a:masterClrMapping/>
+  </p:clrMapOvr>
+</p:sld>
+</file>
+
+<file path=ppt/slides/slide5.xml><?xml version="1.0" encoding="utf-8"?>
+<p:sld xmlns:a="http://schemas.openxmlformats.org/drawingml/2006/main" xmlns:r="http://schemas.openxmlformats.org/officeDocument/2006/relationships" xmlns:p="http://schemas.openxmlformats.org/presentationml/2006/main">
+  <p:cSld>
+    <p:spTree>
+      <p:nvGrpSpPr>
+        <p:cNvPr id="1" name=""/>
+        <p:cNvGrpSpPr/>
+        <p:nvPr/>
+      </p:nvGrpSpPr>
+      <p:grpSpPr>
+        <a:xfrm>
+          <a:off x="0" y="0"/>
+          <a:ext cx="0" cy="0"/>
+          <a:chOff x="0" y="0"/>
+          <a:chExt cx="0" cy="0"/>
+        </a:xfrm>
+      </p:grpSpPr>
+      <p:sp>
+        <p:nvSpPr>
+          <p:cNvPr id="2" name="Título 1">
+            <a:extLst>
+              <a:ext uri="{FF2B5EF4-FFF2-40B4-BE49-F238E27FC236}">
+                <a16:creationId xmlns:a16="http://schemas.microsoft.com/office/drawing/2014/main" id="{105C3B6F-ED82-4A2E-9C49-9C66B141EEC2}"/>
+              </a:ext>
+            </a:extLst>
+          </p:cNvPr>
+          <p:cNvSpPr>
+            <a:spLocks noGrp="1"/>
+          </p:cNvSpPr>
+          <p:nvPr>
+            <p:ph type="title"/>
+          </p:nvPr>
+        </p:nvSpPr>
+        <p:spPr/>
+        <p:txBody>
+          <a:bodyPr/>
+          <a:lstStyle/>
+          <a:p>
+            <a:r>
+              <a:rPr lang="pt-BR" dirty="0">
+                <a:solidFill>
+                  <a:srgbClr val="000000"/>
+                </a:solidFill>
+              </a:rPr>
+              <a:t>KNOCKOUT.JS</a:t>
+            </a:r>
+            <a:endParaRPr lang="pt-BR" dirty="0">
+              <a:solidFill>
+                <a:schemeClr val="tx1"/>
+              </a:solidFill>
+            </a:endParaRPr>
+          </a:p>
+        </p:txBody>
+      </p:sp>
+      <p:sp>
+        <p:nvSpPr>
+          <p:cNvPr id="3" name="Espaço Reservado para Conteúdo 2">
+            <a:extLst>
+              <a:ext uri="{FF2B5EF4-FFF2-40B4-BE49-F238E27FC236}">
+                <a16:creationId xmlns:a16="http://schemas.microsoft.com/office/drawing/2014/main" id="{6CC608A2-42E5-43F3-95D6-641CCC678B10}"/>
+              </a:ext>
+            </a:extLst>
+          </p:cNvPr>
+          <p:cNvSpPr>
+            <a:spLocks noGrp="1"/>
+          </p:cNvSpPr>
+          <p:nvPr>
+            <p:ph idx="1"/>
+          </p:nvPr>
+        </p:nvSpPr>
+        <p:spPr/>
+        <p:txBody>
+          <a:bodyPr vert="horz" lIns="91440" tIns="45720" rIns="91440" bIns="45720" rtlCol="0" anchor="t">
+            <a:normAutofit/>
+          </a:bodyPr>
+          <a:lstStyle/>
+          <a:p>
+            <a:pPr>
+              <a:buNone/>
+            </a:pPr>
+            <a:r>
+              <a:rPr lang="pt-BR" dirty="0">
+                <a:latin typeface="Calibri" panose="020F0502020204030204" pitchFamily="34" charset="0"/>
+              </a:rPr>
+              <a:t>Algumas características sobre Knockout</a:t>
+            </a:r>
+          </a:p>
+          <a:p>
+            <a:pPr>
+              <a:buNone/>
+            </a:pPr>
+            <a:endParaRPr lang="pt-BR" dirty="0">
+              <a:latin typeface="Calibri" panose="020F0502020204030204" pitchFamily="34" charset="0"/>
+            </a:endParaRPr>
+          </a:p>
+          <a:p>
+            <a:r>
+              <a:rPr lang="pt-PT" dirty="0">
+                <a:latin typeface="Calibri" panose="020F0502020204030204" pitchFamily="34" charset="0"/>
+              </a:rPr>
+              <a:t>Binding declarativos</a:t>
+            </a:r>
+          </a:p>
+          <a:p>
+            <a:r>
+              <a:rPr lang="pt-PT" dirty="0">
+                <a:latin typeface="Calibri" panose="020F0502020204030204" pitchFamily="34" charset="0"/>
+              </a:rPr>
+              <a:t>Atualização automática de UI (quando o estado do modelo de dados muda, a UI atualiza automaticamente)</a:t>
+            </a:r>
+          </a:p>
+          <a:p>
+            <a:r>
+              <a:rPr lang="pt-PT" dirty="0">
+                <a:latin typeface="Calibri" panose="020F0502020204030204" pitchFamily="34" charset="0"/>
+              </a:rPr>
+              <a:t>Acompanhamento de dependência</a:t>
+            </a:r>
+          </a:p>
+          <a:p>
+            <a:pPr lvl="1"/>
+            <a:r>
+              <a:rPr lang="pt-PT" i="1" dirty="0">
+                <a:latin typeface="Calibri" panose="020F0502020204030204" pitchFamily="34" charset="0"/>
+              </a:rPr>
+              <a:t>Dependency tracking</a:t>
+            </a:r>
+          </a:p>
+          <a:p>
+            <a:r>
+              <a:rPr lang="pt-PT" dirty="0">
+                <a:latin typeface="Calibri" panose="020F0502020204030204" pitchFamily="34" charset="0"/>
+              </a:rPr>
+              <a:t>Templates (usando um motor de modelo nativo, embora outros mecanismos de modelos possam ser usados, como jquery.tmpl)</a:t>
+            </a:r>
+            <a:endParaRPr lang="pt-BR" dirty="0" err="1">
+              <a:latin typeface="Calibri" panose="020F0502020204030204" pitchFamily="34" charset="0"/>
+            </a:endParaRPr>
+          </a:p>
+        </p:txBody>
+      </p:sp>
+    </p:spTree>
+    <p:extLst>
+      <p:ext uri="{BB962C8B-B14F-4D97-AF65-F5344CB8AC3E}">
+        <p14:creationId xmlns:p14="http://schemas.microsoft.com/office/powerpoint/2010/main" val="1793763109"/>
+      </p:ext>
+    </p:extLst>
+  </p:cSld>
+  <p:clrMapOvr>
+    <a:masterClrMapping/>
+  </p:clrMapOvr>
+</p:sld>
+</file>
+
+<file path=ppt/slides/slide6.xml><?xml version="1.0" encoding="utf-8"?>
+<p:sld xmlns:a="http://schemas.openxmlformats.org/drawingml/2006/main" xmlns:r="http://schemas.openxmlformats.org/officeDocument/2006/relationships" xmlns:p="http://schemas.openxmlformats.org/presentationml/2006/main">
+  <p:cSld>
+    <p:bg>
+      <p:bgPr>
+        <a:solidFill>
+          <a:schemeClr val="bg1"/>
+        </a:solidFill>
+        <a:effectLst/>
+      </p:bgPr>
+    </p:bg>
+    <p:spTree>
+      <p:nvGrpSpPr>
+        <p:cNvPr id="1" name=""/>
+        <p:cNvGrpSpPr/>
+        <p:nvPr/>
+      </p:nvGrpSpPr>
+      <p:grpSpPr>
+        <a:xfrm>
+          <a:off x="0" y="0"/>
+          <a:ext cx="0" cy="0"/>
+          <a:chOff x="0" y="0"/>
+          <a:chExt cx="0" cy="0"/>
+        </a:xfrm>
+      </p:grpSpPr>
+      <p:pic>
+        <p:nvPicPr>
+          <p:cNvPr id="8" name="Imagem 7">
+            <a:extLst>
+              <a:ext uri="{FF2B5EF4-FFF2-40B4-BE49-F238E27FC236}">
+                <a16:creationId xmlns:a16="http://schemas.microsoft.com/office/drawing/2014/main" id="{3332C317-89E6-45B6-B071-88E411523765}"/>
+              </a:ext>
+            </a:extLst>
+          </p:cNvPr>
+          <p:cNvPicPr>
+            <a:picLocks noChangeAspect="1"/>
+          </p:cNvPicPr>
+          <p:nvPr/>
+        </p:nvPicPr>
+        <p:blipFill rotWithShape="1">
+          <a:blip r:embed="rId2"/>
+          <a:srcRect t="4767" r="2948"/>
+          <a:stretch/>
+        </p:blipFill>
+        <p:spPr>
+          <a:xfrm>
+            <a:off x="6097503" y="2121408"/>
+            <a:ext cx="5264768" cy="1575659"/>
+          </a:xfrm>
+          <a:prstGeom prst="rect">
+            <a:avLst/>
+          </a:prstGeom>
+        </p:spPr>
+      </p:pic>
+      <p:sp>
+        <p:nvSpPr>
+          <p:cNvPr id="2" name="Título 1">
+            <a:extLst>
+              <a:ext uri="{FF2B5EF4-FFF2-40B4-BE49-F238E27FC236}">
+                <a16:creationId xmlns:a16="http://schemas.microsoft.com/office/drawing/2014/main" id="{105C3B6F-ED82-4A2E-9C49-9C66B141EEC2}"/>
+              </a:ext>
+            </a:extLst>
+          </p:cNvPr>
+          <p:cNvSpPr>
+            <a:spLocks noGrp="1"/>
+          </p:cNvSpPr>
+          <p:nvPr>
+            <p:ph type="title"/>
+          </p:nvPr>
+        </p:nvSpPr>
+        <p:spPr>
+          <a:xfrm>
+            <a:off x="1069848" y="484632"/>
+            <a:ext cx="10058400" cy="1609344"/>
+          </a:xfrm>
+        </p:spPr>
+        <p:txBody>
+          <a:bodyPr>
+            <a:normAutofit/>
+          </a:bodyPr>
+          <a:lstStyle/>
+          <a:p>
+            <a:r>
+              <a:rPr lang="pt-BR"/>
+              <a:t>KNOCKOUT.JS</a:t>
+            </a:r>
+          </a:p>
+        </p:txBody>
+      </p:sp>
+      <p:sp>
+        <p:nvSpPr>
+          <p:cNvPr id="7" name="Espaço Reservado para Conteúdo 6">
+            <a:extLst>
+              <a:ext uri="{FF2B5EF4-FFF2-40B4-BE49-F238E27FC236}">
+                <a16:creationId xmlns:a16="http://schemas.microsoft.com/office/drawing/2014/main" id="{4CB13BF0-480F-4671-A38E-CE30029D1C13}"/>
+              </a:ext>
+            </a:extLst>
+          </p:cNvPr>
+          <p:cNvSpPr>
+            <a:spLocks noGrp="1"/>
+          </p:cNvSpPr>
+          <p:nvPr>
+            <p:ph idx="1"/>
+          </p:nvPr>
+        </p:nvSpPr>
+        <p:spPr>
+          <a:xfrm>
+            <a:off x="1069848" y="2121408"/>
+            <a:ext cx="4773168" cy="4050792"/>
+          </a:xfrm>
+        </p:spPr>
+        <p:txBody>
+          <a:bodyPr>
+            <a:normAutofit fontScale="85000" lnSpcReduction="10000"/>
+          </a:bodyPr>
+          <a:lstStyle/>
+          <a:p>
+            <a:pPr marL="0" indent="0">
+              <a:buNone/>
+            </a:pPr>
+            <a:r>
+              <a:rPr lang="pt-BR" dirty="0">
+                <a:latin typeface="Calibri" panose="020F0502020204030204" pitchFamily="34" charset="0"/>
+              </a:rPr>
+              <a:t>Modelo MVVM</a:t>
+            </a:r>
+          </a:p>
+          <a:p>
+            <a:pPr marL="0" indent="0">
+              <a:buNone/>
+            </a:pPr>
+            <a:r>
+              <a:rPr lang="pt-PT" dirty="0">
+                <a:latin typeface="Calibri" panose="020F0502020204030204" pitchFamily="34" charset="0"/>
+              </a:rPr>
+              <a:t>O MVVM facilita a separação do desenvolvimento da interface gráfica do usuário</a:t>
+            </a:r>
+          </a:p>
+          <a:p>
+            <a:pPr marL="0" indent="0">
+              <a:buNone/>
+            </a:pPr>
+            <a:endParaRPr lang="pt-PT" dirty="0">
+              <a:latin typeface="Calibri" panose="020F0502020204030204" pitchFamily="34" charset="0"/>
+            </a:endParaRPr>
+          </a:p>
+          <a:p>
+            <a:pPr marL="0" indent="0">
+              <a:buNone/>
+            </a:pPr>
+            <a:r>
+              <a:rPr lang="pt-PT" dirty="0">
+                <a:latin typeface="Calibri" panose="020F0502020204030204" pitchFamily="34" charset="0"/>
+              </a:rPr>
+              <a:t>O modelo de visão do MVVM é um conversor de valores, o que significa que o modelo de visão é responsável por expor (converter) os objetos de dados do modelo de forma que os objetos sejam facilmente gerenciados e apresentados.</a:t>
+            </a:r>
+          </a:p>
+          <a:p>
+            <a:pPr marL="0" indent="0">
+              <a:buNone/>
+            </a:pPr>
+            <a:endParaRPr lang="pt-PT" dirty="0">
+              <a:latin typeface="Calibri" panose="020F0502020204030204" pitchFamily="34" charset="0"/>
+            </a:endParaRPr>
+          </a:p>
+          <a:p>
+            <a:pPr marL="0" indent="0">
+              <a:buNone/>
+            </a:pPr>
+            <a:r>
+              <a:rPr lang="pt-PT" dirty="0">
+                <a:latin typeface="Calibri" panose="020F0502020204030204" pitchFamily="34" charset="0"/>
+              </a:rPr>
+              <a:t>O modelo de visão pode implementar um padrão de mediador, organizando o acesso à lógica back-end em torno do conjunto de casos de uso suportados pela visão.</a:t>
+            </a:r>
+            <a:endParaRPr lang="pt-BR" dirty="0">
+              <a:latin typeface="Calibri" panose="020F0502020204030204" pitchFamily="34" charset="0"/>
+            </a:endParaRPr>
+          </a:p>
+        </p:txBody>
+      </p:sp>
+    </p:spTree>
+    <p:extLst>
+      <p:ext uri="{BB962C8B-B14F-4D97-AF65-F5344CB8AC3E}">
+        <p14:creationId xmlns:p14="http://schemas.microsoft.com/office/powerpoint/2010/main" val="1928823167"/>
+      </p:ext>
+    </p:extLst>
+  </p:cSld>
+  <p:clrMapOvr>
+    <a:masterClrMapping/>
+  </p:clrMapOvr>
+</p:sld>
+</file>
+
+<file path=ppt/slides/slide7.xml><?xml version="1.0" encoding="utf-8"?>
+<p:sld xmlns:a="http://schemas.openxmlformats.org/drawingml/2006/main" xmlns:r="http://schemas.openxmlformats.org/officeDocument/2006/relationships" xmlns:p="http://schemas.openxmlformats.org/presentationml/2006/main">
+  <p:cSld>
+    <p:bg>
+      <p:bgPr>
+        <a:solidFill>
+          <a:schemeClr val="bg1"/>
+        </a:solidFill>
+        <a:effectLst/>
+      </p:bgPr>
+    </p:bg>
+    <p:spTree>
+      <p:nvGrpSpPr>
+        <p:cNvPr id="1" name=""/>
+        <p:cNvGrpSpPr/>
+        <p:nvPr/>
+      </p:nvGrpSpPr>
+      <p:grpSpPr>
+        <a:xfrm>
+          <a:off x="0" y="0"/>
+          <a:ext cx="0" cy="0"/>
+          <a:chOff x="0" y="0"/>
+          <a:chExt cx="0" cy="0"/>
+        </a:xfrm>
+      </p:grpSpPr>
+      <p:pic>
+        <p:nvPicPr>
+          <p:cNvPr id="8" name="Imagem 7">
+            <a:extLst>
+              <a:ext uri="{FF2B5EF4-FFF2-40B4-BE49-F238E27FC236}">
+                <a16:creationId xmlns:a16="http://schemas.microsoft.com/office/drawing/2014/main" id="{3332C317-89E6-45B6-B071-88E411523765}"/>
+              </a:ext>
+            </a:extLst>
+          </p:cNvPr>
+          <p:cNvPicPr>
+            <a:picLocks noChangeAspect="1"/>
+          </p:cNvPicPr>
+          <p:nvPr/>
+        </p:nvPicPr>
+        <p:blipFill rotWithShape="1">
+          <a:blip r:embed="rId2"/>
+          <a:srcRect t="4767" r="2948"/>
+          <a:stretch/>
+        </p:blipFill>
+        <p:spPr>
+          <a:xfrm>
+            <a:off x="6097503" y="2121408"/>
+            <a:ext cx="5264768" cy="1575659"/>
+          </a:xfrm>
+          <a:prstGeom prst="rect">
+            <a:avLst/>
+          </a:prstGeom>
+        </p:spPr>
+      </p:pic>
+      <p:sp>
+        <p:nvSpPr>
+          <p:cNvPr id="2" name="Título 1">
+            <a:extLst>
+              <a:ext uri="{FF2B5EF4-FFF2-40B4-BE49-F238E27FC236}">
+                <a16:creationId xmlns:a16="http://schemas.microsoft.com/office/drawing/2014/main" id="{105C3B6F-ED82-4A2E-9C49-9C66B141EEC2}"/>
+              </a:ext>
+            </a:extLst>
+          </p:cNvPr>
+          <p:cNvSpPr>
+            <a:spLocks noGrp="1"/>
+          </p:cNvSpPr>
+          <p:nvPr>
+            <p:ph type="title"/>
+          </p:nvPr>
+        </p:nvSpPr>
+        <p:spPr>
+          <a:xfrm>
+            <a:off x="1069848" y="484632"/>
+            <a:ext cx="10058400" cy="1609344"/>
+          </a:xfrm>
+        </p:spPr>
+        <p:txBody>
+          <a:bodyPr>
+            <a:normAutofit/>
+          </a:bodyPr>
+          <a:lstStyle/>
+          <a:p>
+            <a:r>
+              <a:rPr lang="pt-BR"/>
+              <a:t>KNOCKOUT.JS</a:t>
+            </a:r>
+          </a:p>
+        </p:txBody>
+      </p:sp>
+      <p:sp>
+        <p:nvSpPr>
+          <p:cNvPr id="7" name="Espaço Reservado para Conteúdo 6">
+            <a:extLst>
+              <a:ext uri="{FF2B5EF4-FFF2-40B4-BE49-F238E27FC236}">
+                <a16:creationId xmlns:a16="http://schemas.microsoft.com/office/drawing/2014/main" id="{4CB13BF0-480F-4671-A38E-CE30029D1C13}"/>
+              </a:ext>
+            </a:extLst>
+          </p:cNvPr>
+          <p:cNvSpPr>
+            <a:spLocks noGrp="1"/>
+          </p:cNvSpPr>
+          <p:nvPr>
+            <p:ph idx="1"/>
+          </p:nvPr>
+        </p:nvSpPr>
+        <p:spPr>
+          <a:xfrm>
+            <a:off x="1069848" y="2121408"/>
+            <a:ext cx="4773168" cy="4050792"/>
+          </a:xfrm>
+        </p:spPr>
+        <p:txBody>
+          <a:bodyPr>
+            <a:normAutofit/>
+          </a:bodyPr>
+          <a:lstStyle/>
+          <a:p>
+            <a:pPr marL="0" indent="0">
+              <a:buNone/>
+            </a:pPr>
+            <a:r>
+              <a:rPr lang="pt-PT" dirty="0">
+                <a:latin typeface="Calibri" panose="020F0502020204030204" pitchFamily="34" charset="0"/>
+              </a:rPr>
+              <a:t>O MVVM é uma variação do padrão de design do modelo de apresentação de Martin Fowler.</a:t>
+            </a:r>
+          </a:p>
+          <a:p>
+            <a:pPr marL="0" indent="0">
+              <a:buNone/>
+            </a:pPr>
+            <a:endParaRPr lang="pt-PT" dirty="0">
+              <a:latin typeface="Calibri" panose="020F0502020204030204" pitchFamily="34" charset="0"/>
+            </a:endParaRPr>
+          </a:p>
+          <a:p>
+            <a:pPr marL="0" indent="0">
+              <a:buNone/>
+            </a:pPr>
+            <a:r>
+              <a:rPr lang="pt-PT" dirty="0">
+                <a:latin typeface="Calibri" panose="020F0502020204030204" pitchFamily="34" charset="0"/>
+              </a:rPr>
+              <a:t>O MVVM e o Modelo de Apresentação derivam do modelo-view-controller pattern (MVC).</a:t>
+            </a:r>
+          </a:p>
+          <a:p>
+            <a:pPr marL="0" indent="0">
+              <a:buNone/>
+            </a:pPr>
+            <a:endParaRPr lang="pt-BR" dirty="0">
+              <a:latin typeface="Calibri" panose="020F0502020204030204" pitchFamily="34" charset="0"/>
+            </a:endParaRPr>
+          </a:p>
+        </p:txBody>
+      </p:sp>
+    </p:spTree>
+    <p:extLst>
+      <p:ext uri="{BB962C8B-B14F-4D97-AF65-F5344CB8AC3E}">
+        <p14:creationId xmlns:p14="http://schemas.microsoft.com/office/powerpoint/2010/main" val="1392242523"/>
+      </p:ext>
+    </p:extLst>
+  </p:cSld>
+  <p:clrMapOvr>
+    <a:masterClrMapping/>
+  </p:clrMapOvr>
+</p:sld>
+</file>
+
+<file path=ppt/slides/slide8.xml><?xml version="1.0" encoding="utf-8"?>
+<p:sld xmlns:a="http://schemas.openxmlformats.org/drawingml/2006/main" xmlns:r="http://schemas.openxmlformats.org/officeDocument/2006/relationships" xmlns:p="http://schemas.openxmlformats.org/presentationml/2006/main">
+  <p:cSld>
+    <p:bg>
+      <p:bgPr>
+        <a:solidFill>
+          <a:schemeClr val="bg1"/>
+        </a:solidFill>
+        <a:effectLst/>
+      </p:bgPr>
+    </p:bg>
+    <p:spTree>
+      <p:nvGrpSpPr>
+        <p:cNvPr id="1" name=""/>
+        <p:cNvGrpSpPr/>
+        <p:nvPr/>
+      </p:nvGrpSpPr>
+      <p:grpSpPr>
+        <a:xfrm>
+          <a:off x="0" y="0"/>
+          <a:ext cx="0" cy="0"/>
+          <a:chOff x="0" y="0"/>
+          <a:chExt cx="0" cy="0"/>
+        </a:xfrm>
+      </p:grpSpPr>
+      <p:pic>
+        <p:nvPicPr>
+          <p:cNvPr id="8" name="Imagem 7">
+            <a:extLst>
+              <a:ext uri="{FF2B5EF4-FFF2-40B4-BE49-F238E27FC236}">
+                <a16:creationId xmlns:a16="http://schemas.microsoft.com/office/drawing/2014/main" id="{3332C317-89E6-45B6-B071-88E411523765}"/>
+              </a:ext>
+            </a:extLst>
+          </p:cNvPr>
+          <p:cNvPicPr>
+            <a:picLocks noChangeAspect="1"/>
+          </p:cNvPicPr>
+          <p:nvPr/>
+        </p:nvPicPr>
+        <p:blipFill rotWithShape="1">
+          <a:blip r:embed="rId2"/>
+          <a:srcRect t="4767" r="2948"/>
+          <a:stretch/>
+        </p:blipFill>
+        <p:spPr>
+          <a:xfrm>
+            <a:off x="6097503" y="2121408"/>
+            <a:ext cx="5264768" cy="1575659"/>
+          </a:xfrm>
+          <a:prstGeom prst="rect">
+            <a:avLst/>
+          </a:prstGeom>
+        </p:spPr>
+      </p:pic>
+      <p:sp>
+        <p:nvSpPr>
+          <p:cNvPr id="2" name="Título 1">
+            <a:extLst>
+              <a:ext uri="{FF2B5EF4-FFF2-40B4-BE49-F238E27FC236}">
+                <a16:creationId xmlns:a16="http://schemas.microsoft.com/office/drawing/2014/main" id="{105C3B6F-ED82-4A2E-9C49-9C66B141EEC2}"/>
+              </a:ext>
+            </a:extLst>
+          </p:cNvPr>
+          <p:cNvSpPr>
+            <a:spLocks noGrp="1"/>
+          </p:cNvSpPr>
+          <p:nvPr>
+            <p:ph type="title"/>
+          </p:nvPr>
+        </p:nvSpPr>
+        <p:spPr>
+          <a:xfrm>
+            <a:off x="1069848" y="484632"/>
+            <a:ext cx="10058400" cy="1609344"/>
+          </a:xfrm>
+        </p:spPr>
+        <p:txBody>
+          <a:bodyPr>
+            <a:normAutofit/>
+          </a:bodyPr>
+          <a:lstStyle/>
+          <a:p>
+            <a:r>
+              <a:rPr lang="pt-BR"/>
+              <a:t>KNOCKOUT.JS</a:t>
+            </a:r>
+          </a:p>
+        </p:txBody>
+      </p:sp>
+      <p:sp>
+        <p:nvSpPr>
+          <p:cNvPr id="7" name="Espaço Reservado para Conteúdo 6">
+            <a:extLst>
+              <a:ext uri="{FF2B5EF4-FFF2-40B4-BE49-F238E27FC236}">
+                <a16:creationId xmlns:a16="http://schemas.microsoft.com/office/drawing/2014/main" id="{4CB13BF0-480F-4671-A38E-CE30029D1C13}"/>
+              </a:ext>
+            </a:extLst>
+          </p:cNvPr>
+          <p:cNvSpPr>
+            <a:spLocks noGrp="1"/>
+          </p:cNvSpPr>
+          <p:nvPr>
+            <p:ph idx="1"/>
+          </p:nvPr>
+        </p:nvSpPr>
+        <p:spPr>
+          <a:xfrm>
+            <a:off x="1069848" y="2121408"/>
+            <a:ext cx="4773168" cy="4050792"/>
+          </a:xfrm>
+        </p:spPr>
+        <p:txBody>
+          <a:bodyPr>
+            <a:normAutofit/>
+          </a:bodyPr>
+          <a:lstStyle/>
+          <a:p>
+            <a:pPr marL="0" indent="0">
+              <a:buNone/>
+            </a:pPr>
+            <a:r>
+              <a:rPr lang="pt-PT" dirty="0">
+                <a:latin typeface="Calibri" panose="020F0502020204030204" pitchFamily="34" charset="0"/>
+              </a:rPr>
+              <a:t>O MVVM foi desenvolvido pelos arquitetos da Microsoft Ken Cooper e Ted Peters especificamente para simplificar a programação de interfaces de usuário com base em eventos, explorando recursos do Windows Presentation Foundation (WPF) (sistema de gráficos .NET da Microsoft) e Silverlight (derivado de aplicativos da Internet do WPF).</a:t>
+            </a:r>
+          </a:p>
+          <a:p>
+            <a:pPr marL="0" indent="0">
+              <a:buNone/>
+            </a:pPr>
+            <a:endParaRPr lang="pt-PT" dirty="0">
+              <a:latin typeface="Calibri" panose="020F0502020204030204" pitchFamily="34" charset="0"/>
+            </a:endParaRPr>
+          </a:p>
+          <a:p>
+            <a:pPr marL="0" indent="0">
+              <a:buNone/>
+            </a:pPr>
+            <a:r>
+              <a:rPr lang="pt-PT" dirty="0">
+                <a:latin typeface="Calibri" panose="020F0502020204030204" pitchFamily="34" charset="0"/>
+              </a:rPr>
+              <a:t>John Gossman, um dos arquitetos WPF e Silverlight da Microsoft, anunciou o MVVM em seu blog em 2005.</a:t>
+            </a:r>
+            <a:endParaRPr lang="pt-BR" dirty="0">
+              <a:latin typeface="Calibri" panose="020F0502020204030204" pitchFamily="34" charset="0"/>
+            </a:endParaRPr>
+          </a:p>
+        </p:txBody>
+      </p:sp>
+    </p:spTree>
+    <p:extLst>
+      <p:ext uri="{BB962C8B-B14F-4D97-AF65-F5344CB8AC3E}">
+        <p14:creationId xmlns:p14="http://schemas.microsoft.com/office/powerpoint/2010/main" val="2741373346"/>
+      </p:ext>
+    </p:extLst>
+  </p:cSld>
+  <p:clrMapOvr>
+    <a:masterClrMapping/>
+  </p:clrMapOvr>
+</p:sld>
+</file>
+
+<file path=ppt/slides/slide9.xml><?xml version="1.0" encoding="utf-8"?>
+<p:sld xmlns:a="http://schemas.openxmlformats.org/drawingml/2006/main" xmlns:r="http://schemas.openxmlformats.org/officeDocument/2006/relationships" xmlns:p="http://schemas.openxmlformats.org/presentationml/2006/main">
+  <p:cSld>
+    <p:bg>
+      <p:bgPr>
+        <a:solidFill>
+          <a:schemeClr val="bg1"/>
+        </a:solidFill>
+        <a:effectLst/>
+      </p:bgPr>
+    </p:bg>
+    <p:spTree>
+      <p:nvGrpSpPr>
+        <p:cNvPr id="1" name=""/>
+        <p:cNvGrpSpPr/>
+        <p:nvPr/>
+      </p:nvGrpSpPr>
+      <p:grpSpPr>
+        <a:xfrm>
+          <a:off x="0" y="0"/>
+          <a:ext cx="0" cy="0"/>
+          <a:chOff x="0" y="0"/>
+          <a:chExt cx="0" cy="0"/>
+        </a:xfrm>
+      </p:grpSpPr>
+      <p:pic>
+        <p:nvPicPr>
+          <p:cNvPr id="8" name="Imagem 7">
+            <a:extLst>
+              <a:ext uri="{FF2B5EF4-FFF2-40B4-BE49-F238E27FC236}">
+                <a16:creationId xmlns:a16="http://schemas.microsoft.com/office/drawing/2014/main" id="{3332C317-89E6-45B6-B071-88E411523765}"/>
+              </a:ext>
+            </a:extLst>
+          </p:cNvPr>
+          <p:cNvPicPr>
+            <a:picLocks noChangeAspect="1"/>
+          </p:cNvPicPr>
+          <p:nvPr/>
+        </p:nvPicPr>
+        <p:blipFill rotWithShape="1">
+          <a:blip r:embed="rId2"/>
+          <a:srcRect t="4767" r="2948"/>
+          <a:stretch/>
+        </p:blipFill>
+        <p:spPr>
+          <a:xfrm>
+            <a:off x="6097503" y="2121408"/>
+            <a:ext cx="5264768" cy="1575659"/>
+          </a:xfrm>
+          <a:prstGeom prst="rect">
+            <a:avLst/>
+          </a:prstGeom>
+        </p:spPr>
+      </p:pic>
+      <p:sp>
+        <p:nvSpPr>
+          <p:cNvPr id="2" name="Título 1">
+            <a:extLst>
+              <a:ext uri="{FF2B5EF4-FFF2-40B4-BE49-F238E27FC236}">
+                <a16:creationId xmlns:a16="http://schemas.microsoft.com/office/drawing/2014/main" id="{105C3B6F-ED82-4A2E-9C49-9C66B141EEC2}"/>
+              </a:ext>
+            </a:extLst>
+          </p:cNvPr>
+          <p:cNvSpPr>
+            <a:spLocks noGrp="1"/>
+          </p:cNvSpPr>
+          <p:nvPr>
+            <p:ph type="title"/>
+          </p:nvPr>
+        </p:nvSpPr>
+        <p:spPr>
+          <a:xfrm>
+            <a:off x="1069848" y="484632"/>
+            <a:ext cx="10058400" cy="1609344"/>
+          </a:xfrm>
+        </p:spPr>
+        <p:txBody>
+          <a:bodyPr>
+            <a:normAutofit/>
+          </a:bodyPr>
+          <a:lstStyle/>
+          <a:p>
+            <a:r>
+              <a:rPr lang="pt-BR"/>
+              <a:t>KNOCKOUT.JS</a:t>
+            </a:r>
+          </a:p>
+        </p:txBody>
+      </p:sp>
+      <p:sp>
+        <p:nvSpPr>
+          <p:cNvPr id="7" name="Espaço Reservado para Conteúdo 6">
+            <a:extLst>
+              <a:ext uri="{FF2B5EF4-FFF2-40B4-BE49-F238E27FC236}">
+                <a16:creationId xmlns:a16="http://schemas.microsoft.com/office/drawing/2014/main" id="{4CB13BF0-480F-4671-A38E-CE30029D1C13}"/>
+              </a:ext>
+            </a:extLst>
+          </p:cNvPr>
+          <p:cNvSpPr>
+            <a:spLocks noGrp="1"/>
+          </p:cNvSpPr>
+          <p:nvPr>
+            <p:ph idx="1"/>
+          </p:nvPr>
+        </p:nvSpPr>
+        <p:spPr>
+          <a:xfrm>
+            <a:off x="1069848" y="2121408"/>
+            <a:ext cx="4773168" cy="4050792"/>
+          </a:xfrm>
+        </p:spPr>
+        <p:txBody>
+          <a:bodyPr>
+            <a:normAutofit/>
+          </a:bodyPr>
+          <a:lstStyle/>
+          <a:p>
+            <a:pPr marL="0" indent="0">
+              <a:buNone/>
+            </a:pPr>
+            <a:r>
+              <a:rPr lang="pt-PT" dirty="0">
+                <a:latin typeface="Calibri" panose="020F0502020204030204" pitchFamily="34" charset="0"/>
+              </a:rPr>
+              <a:t>Model-view-viewmodel também é conhecido como model-view-binder, especialmente em implementações que não envolvem a plataforma .NET. ZK (uma estrutura de aplicação web escrita em Java) e KnockoutJS (uma biblioteca de JavaScript) usam model-view-binder.</a:t>
+            </a:r>
+          </a:p>
+          <a:p>
+            <a:pPr marL="0" indent="0">
+              <a:buNone/>
+            </a:pPr>
+            <a:endParaRPr lang="pt-BR" dirty="0"/>
+          </a:p>
+        </p:txBody>
+      </p:sp>
+    </p:spTree>
+    <p:extLst>
+      <p:ext uri="{BB962C8B-B14F-4D97-AF65-F5344CB8AC3E}">
+        <p14:creationId xmlns:p14="http://schemas.microsoft.com/office/powerpoint/2010/main" val="1632378573"/>
       </p:ext>
     </p:extLst>
   </p:cSld>
